--- a/КОНЦЕПЦИЯ.pptx
+++ b/КОНЦЕПЦИЯ.pptx
@@ -8,7 +8,10 @@
     <p:sldId id="256" r:id="rId2"/>
     <p:sldId id="257" r:id="rId3"/>
     <p:sldId id="258" r:id="rId4"/>
-    <p:sldId id="259" r:id="rId5"/>
+    <p:sldId id="260" r:id="rId5"/>
+    <p:sldId id="261" r:id="rId6"/>
+    <p:sldId id="262" r:id="rId7"/>
+    <p:sldId id="259" r:id="rId8"/>
   </p:sldIdLst>
   <p:sldSz cx="12192000" cy="6858000"/>
   <p:notesSz cx="6858000" cy="9144000"/>
@@ -107,6 +110,11 @@
       </a:defRPr>
     </a:lvl9pPr>
   </p:defaultTextStyle>
+  <p:extLst>
+    <p:ext uri="{EFAFB233-063F-42B5-8137-9DF3F51BA10A}">
+      <p15:sldGuideLst xmlns:p15="http://schemas.microsoft.com/office/powerpoint/2012/main"/>
+    </p:ext>
+  </p:extLst>
 </p:presentation>
 </file>
 
@@ -241,7 +249,7 @@
           <a:p>
             <a:fld id="{3B27C730-BBE3-487B-8259-D61729703FCA}" type="datetimeFigureOut">
               <a:rPr lang="ru-RU" smtClean="0"/>
-              <a:t>29.05.2019</a:t>
+              <a:t>03.06.2019</a:t>
             </a:fld>
             <a:endParaRPr lang="ru-RU"/>
           </a:p>
@@ -411,7 +419,7 @@
           <a:p>
             <a:fld id="{3B27C730-BBE3-487B-8259-D61729703FCA}" type="datetimeFigureOut">
               <a:rPr lang="ru-RU" smtClean="0"/>
-              <a:t>29.05.2019</a:t>
+              <a:t>03.06.2019</a:t>
             </a:fld>
             <a:endParaRPr lang="ru-RU"/>
           </a:p>
@@ -591,7 +599,7 @@
           <a:p>
             <a:fld id="{3B27C730-BBE3-487B-8259-D61729703FCA}" type="datetimeFigureOut">
               <a:rPr lang="ru-RU" smtClean="0"/>
-              <a:t>29.05.2019</a:t>
+              <a:t>03.06.2019</a:t>
             </a:fld>
             <a:endParaRPr lang="ru-RU"/>
           </a:p>
@@ -761,7 +769,7 @@
           <a:p>
             <a:fld id="{3B27C730-BBE3-487B-8259-D61729703FCA}" type="datetimeFigureOut">
               <a:rPr lang="ru-RU" smtClean="0"/>
-              <a:t>29.05.2019</a:t>
+              <a:t>03.06.2019</a:t>
             </a:fld>
             <a:endParaRPr lang="ru-RU"/>
           </a:p>
@@ -1007,7 +1015,7 @@
           <a:p>
             <a:fld id="{3B27C730-BBE3-487B-8259-D61729703FCA}" type="datetimeFigureOut">
               <a:rPr lang="ru-RU" smtClean="0"/>
-              <a:t>29.05.2019</a:t>
+              <a:t>03.06.2019</a:t>
             </a:fld>
             <a:endParaRPr lang="ru-RU"/>
           </a:p>
@@ -1239,7 +1247,7 @@
           <a:p>
             <a:fld id="{3B27C730-BBE3-487B-8259-D61729703FCA}" type="datetimeFigureOut">
               <a:rPr lang="ru-RU" smtClean="0"/>
-              <a:t>29.05.2019</a:t>
+              <a:t>03.06.2019</a:t>
             </a:fld>
             <a:endParaRPr lang="ru-RU"/>
           </a:p>
@@ -1606,7 +1614,7 @@
           <a:p>
             <a:fld id="{3B27C730-BBE3-487B-8259-D61729703FCA}" type="datetimeFigureOut">
               <a:rPr lang="ru-RU" smtClean="0"/>
-              <a:t>29.05.2019</a:t>
+              <a:t>03.06.2019</a:t>
             </a:fld>
             <a:endParaRPr lang="ru-RU"/>
           </a:p>
@@ -1724,7 +1732,7 @@
           <a:p>
             <a:fld id="{3B27C730-BBE3-487B-8259-D61729703FCA}" type="datetimeFigureOut">
               <a:rPr lang="ru-RU" smtClean="0"/>
-              <a:t>29.05.2019</a:t>
+              <a:t>03.06.2019</a:t>
             </a:fld>
             <a:endParaRPr lang="ru-RU"/>
           </a:p>
@@ -1819,7 +1827,7 @@
           <a:p>
             <a:fld id="{3B27C730-BBE3-487B-8259-D61729703FCA}" type="datetimeFigureOut">
               <a:rPr lang="ru-RU" smtClean="0"/>
-              <a:t>29.05.2019</a:t>
+              <a:t>03.06.2019</a:t>
             </a:fld>
             <a:endParaRPr lang="ru-RU"/>
           </a:p>
@@ -2096,7 +2104,7 @@
           <a:p>
             <a:fld id="{3B27C730-BBE3-487B-8259-D61729703FCA}" type="datetimeFigureOut">
               <a:rPr lang="ru-RU" smtClean="0"/>
-              <a:t>29.05.2019</a:t>
+              <a:t>03.06.2019</a:t>
             </a:fld>
             <a:endParaRPr lang="ru-RU"/>
           </a:p>
@@ -2349,7 +2357,7 @@
           <a:p>
             <a:fld id="{3B27C730-BBE3-487B-8259-D61729703FCA}" type="datetimeFigureOut">
               <a:rPr lang="ru-RU" smtClean="0"/>
-              <a:t>29.05.2019</a:t>
+              <a:t>03.06.2019</a:t>
             </a:fld>
             <a:endParaRPr lang="ru-RU"/>
           </a:p>
@@ -2562,7 +2570,7 @@
           <a:p>
             <a:fld id="{3B27C730-BBE3-487B-8259-D61729703FCA}" type="datetimeFigureOut">
               <a:rPr lang="ru-RU" smtClean="0"/>
-              <a:t>29.05.2019</a:t>
+              <a:t>03.06.2019</a:t>
             </a:fld>
             <a:endParaRPr lang="ru-RU"/>
           </a:p>
@@ -3574,9 +3582,10 @@
           <a:bodyPr/>
           <a:lstStyle/>
           <a:p>
+            <a:pPr algn="ctr"/>
             <a:r>
               <a:rPr lang="ru-RU" dirty="0" smtClean="0"/>
-              <a:t>Современный мир и внешняя политика РФ</a:t>
+              <a:t>Современный мир и внешняя политика России</a:t>
             </a:r>
             <a:endParaRPr lang="ru-RU" dirty="0"/>
           </a:p>
@@ -3592,11 +3601,358 @@
             <p:ph idx="1"/>
           </p:nvPr>
         </p:nvSpPr>
-        <p:spPr/>
-        <p:txBody>
-          <a:bodyPr/>
-          <a:lstStyle/>
-          <a:p>
+        <p:spPr>
+          <a:xfrm>
+            <a:off x="838200" y="3445878"/>
+            <a:ext cx="10515600" cy="4351338"/>
+          </a:xfrm>
+        </p:spPr>
+        <p:txBody>
+          <a:bodyPr/>
+          <a:lstStyle/>
+          <a:p>
+            <a:pPr marL="0" indent="0">
+              <a:buNone/>
+            </a:pPr>
+            <a:r>
+              <a:rPr lang="ru-RU" dirty="0" smtClean="0"/>
+              <a:t>В данный момент формируется </a:t>
+            </a:r>
+            <a:r>
+              <a:rPr lang="ru-RU" dirty="0" err="1" smtClean="0"/>
+              <a:t>полицентричная</a:t>
+            </a:r>
+            <a:r>
+              <a:rPr lang="ru-RU" dirty="0" smtClean="0"/>
+              <a:t> международная система в которой субъекты – это суверенные государственно-организованные центры силы и развития.</a:t>
+            </a:r>
+          </a:p>
+          <a:p>
+            <a:pPr marL="0" indent="0">
+              <a:buNone/>
+            </a:pPr>
+            <a:endParaRPr lang="ru-RU" dirty="0"/>
+          </a:p>
+          <a:p>
+            <a:pPr marL="0" indent="0">
+              <a:buNone/>
+            </a:pPr>
+            <a:r>
+              <a:rPr lang="ru-RU" dirty="0" smtClean="0"/>
+              <a:t>Происходит рассредоточение мирового </a:t>
+            </a:r>
+            <a:r>
+              <a:rPr lang="ru-RU" dirty="0" err="1"/>
+              <a:t>мирового</a:t>
+            </a:r>
+            <a:r>
+              <a:rPr lang="ru-RU" dirty="0"/>
+              <a:t> потенциала силы и развития в Азиатско-Тихоокеанский </a:t>
+            </a:r>
+            <a:r>
+              <a:rPr lang="ru-RU" dirty="0" smtClean="0"/>
+              <a:t>регион.</a:t>
+            </a:r>
+          </a:p>
+          <a:p>
+            <a:pPr marL="0" indent="0">
+              <a:buNone/>
+            </a:pPr>
+            <a:endParaRPr lang="ru-RU" dirty="0"/>
+          </a:p>
+          <a:p>
+            <a:pPr marL="0" indent="0">
+              <a:buNone/>
+            </a:pPr>
+            <a:r>
+              <a:rPr lang="ru-RU" dirty="0" smtClean="0"/>
+              <a:t> </a:t>
+            </a:r>
+            <a:endParaRPr lang="ru-RU" dirty="0"/>
+          </a:p>
+        </p:txBody>
+      </p:sp>
+      <p:sp>
+        <p:nvSpPr>
+          <p:cNvPr id="4" name="Прямоугольник 3"/>
+          <p:cNvSpPr/>
+          <p:nvPr/>
+        </p:nvSpPr>
+        <p:spPr>
+          <a:xfrm>
+            <a:off x="1876926" y="1825624"/>
+            <a:ext cx="8438147" cy="707886"/>
+          </a:xfrm>
+          <a:prstGeom prst="rect">
+            <a:avLst/>
+          </a:prstGeom>
+        </p:spPr>
+        <p:txBody>
+          <a:bodyPr wrap="square">
+            <a:spAutoFit/>
+          </a:bodyPr>
+          <a:lstStyle/>
+          <a:p>
+            <a:pPr algn="ctr"/>
+            <a:r>
+              <a:rPr lang="ru-RU" sz="4000" dirty="0" smtClean="0"/>
+              <a:t>Перераспределение Силы</a:t>
+            </a:r>
+            <a:endParaRPr lang="ru-RU" sz="4000" dirty="0"/>
+          </a:p>
+        </p:txBody>
+      </p:sp>
+    </p:spTree>
+    <p:extLst>
+      <p:ext uri="{BB962C8B-B14F-4D97-AF65-F5344CB8AC3E}">
+        <p14:creationId xmlns:p14="http://schemas.microsoft.com/office/powerpoint/2010/main" val="483934481"/>
+      </p:ext>
+    </p:extLst>
+  </p:cSld>
+  <p:clrMapOvr>
+    <a:masterClrMapping/>
+  </p:clrMapOvr>
+</p:sld>
+</file>
+
+<file path=ppt/slides/slide5.xml><?xml version="1.0" encoding="utf-8"?>
+<p:sld xmlns:a="http://schemas.openxmlformats.org/drawingml/2006/main" xmlns:r="http://schemas.openxmlformats.org/officeDocument/2006/relationships" xmlns:p="http://schemas.openxmlformats.org/presentationml/2006/main">
+  <p:cSld>
+    <p:spTree>
+      <p:nvGrpSpPr>
+        <p:cNvPr id="1" name=""/>
+        <p:cNvGrpSpPr/>
+        <p:nvPr/>
+      </p:nvGrpSpPr>
+      <p:grpSpPr>
+        <a:xfrm>
+          <a:off x="0" y="0"/>
+          <a:ext cx="0" cy="0"/>
+          <a:chOff x="0" y="0"/>
+          <a:chExt cx="0" cy="0"/>
+        </a:xfrm>
+      </p:grpSpPr>
+      <p:sp>
+        <p:nvSpPr>
+          <p:cNvPr id="2" name="Заголовок 1"/>
+          <p:cNvSpPr>
+            <a:spLocks noGrp="1"/>
+          </p:cNvSpPr>
+          <p:nvPr>
+            <p:ph type="title"/>
+          </p:nvPr>
+        </p:nvSpPr>
+        <p:spPr/>
+        <p:txBody>
+          <a:bodyPr/>
+          <a:lstStyle/>
+          <a:p>
+            <a:pPr algn="ctr"/>
+            <a:r>
+              <a:rPr lang="ru-RU" dirty="0" smtClean="0"/>
+              <a:t>Негативные факторы и опасности</a:t>
+            </a:r>
+            <a:endParaRPr lang="ru-RU" dirty="0"/>
+          </a:p>
+        </p:txBody>
+      </p:sp>
+      <p:sp>
+        <p:nvSpPr>
+          <p:cNvPr id="3" name="Объект 2"/>
+          <p:cNvSpPr>
+            <a:spLocks noGrp="1"/>
+          </p:cNvSpPr>
+          <p:nvPr>
+            <p:ph idx="1"/>
+          </p:nvPr>
+        </p:nvSpPr>
+        <p:spPr/>
+        <p:txBody>
+          <a:bodyPr/>
+          <a:lstStyle/>
+          <a:p>
+            <a:r>
+              <a:rPr lang="ru-RU" dirty="0" smtClean="0"/>
+              <a:t>Усиливается борьба за ресурсы, доступ к новым рынкам сбыта и контроль над транспортными артериями.</a:t>
+            </a:r>
+          </a:p>
+          <a:p>
+            <a:r>
+              <a:rPr lang="ru-RU" dirty="0" smtClean="0"/>
+              <a:t>Запад пытается навязать собственную шкалу ценности другим государствам, что усиливает рост отрицательных факторов и нестабильности.</a:t>
+            </a:r>
+          </a:p>
+          <a:p>
+            <a:r>
+              <a:rPr lang="ru-RU" dirty="0" smtClean="0"/>
+              <a:t>Запад стремится удержать свои позиции путем сдерживания </a:t>
+            </a:r>
+            <a:r>
+              <a:rPr lang="ru-RU" dirty="0"/>
+              <a:t>альтернативных центров </a:t>
+            </a:r>
+            <a:r>
+              <a:rPr lang="ru-RU" dirty="0" smtClean="0"/>
+              <a:t>силы.</a:t>
+            </a:r>
+          </a:p>
+          <a:p>
+            <a:r>
+              <a:rPr lang="ru-RU" dirty="0" smtClean="0"/>
+              <a:t>Велики </a:t>
+            </a:r>
+            <a:r>
+              <a:rPr lang="ru-RU" dirty="0"/>
+              <a:t>риски втягивания ведущих государств в региональные конфликты</a:t>
+            </a:r>
+            <a:endParaRPr lang="ru-RU" dirty="0"/>
+          </a:p>
+        </p:txBody>
+      </p:sp>
+    </p:spTree>
+    <p:extLst>
+      <p:ext uri="{BB962C8B-B14F-4D97-AF65-F5344CB8AC3E}">
+        <p14:creationId xmlns:p14="http://schemas.microsoft.com/office/powerpoint/2010/main" val="2474822144"/>
+      </p:ext>
+    </p:extLst>
+  </p:cSld>
+  <p:clrMapOvr>
+    <a:masterClrMapping/>
+  </p:clrMapOvr>
+</p:sld>
+</file>
+
+<file path=ppt/slides/slide6.xml><?xml version="1.0" encoding="utf-8"?>
+<p:sld xmlns:a="http://schemas.openxmlformats.org/drawingml/2006/main" xmlns:r="http://schemas.openxmlformats.org/officeDocument/2006/relationships" xmlns:p="http://schemas.openxmlformats.org/presentationml/2006/main">
+  <p:cSld>
+    <p:spTree>
+      <p:nvGrpSpPr>
+        <p:cNvPr id="1" name=""/>
+        <p:cNvGrpSpPr/>
+        <p:nvPr/>
+      </p:nvGrpSpPr>
+      <p:grpSpPr>
+        <a:xfrm>
+          <a:off x="0" y="0"/>
+          <a:ext cx="0" cy="0"/>
+          <a:chOff x="0" y="0"/>
+          <a:chExt cx="0" cy="0"/>
+        </a:xfrm>
+      </p:grpSpPr>
+      <p:sp>
+        <p:nvSpPr>
+          <p:cNvPr id="2" name="Заголовок 1"/>
+          <p:cNvSpPr>
+            <a:spLocks noGrp="1"/>
+          </p:cNvSpPr>
+          <p:nvPr>
+            <p:ph type="title"/>
+          </p:nvPr>
+        </p:nvSpPr>
+        <p:spPr/>
+        <p:txBody>
+          <a:bodyPr/>
+          <a:lstStyle/>
+          <a:p>
+            <a:endParaRPr lang="ru-RU"/>
+          </a:p>
+        </p:txBody>
+      </p:sp>
+      <p:sp>
+        <p:nvSpPr>
+          <p:cNvPr id="3" name="Объект 2"/>
+          <p:cNvSpPr>
+            <a:spLocks noGrp="1"/>
+          </p:cNvSpPr>
+          <p:nvPr>
+            <p:ph idx="1"/>
+          </p:nvPr>
+        </p:nvSpPr>
+        <p:spPr/>
+        <p:txBody>
+          <a:bodyPr/>
+          <a:lstStyle/>
+          <a:p>
+            <a:endParaRPr lang="ru-RU"/>
+          </a:p>
+        </p:txBody>
+      </p:sp>
+    </p:spTree>
+    <p:extLst>
+      <p:ext uri="{BB962C8B-B14F-4D97-AF65-F5344CB8AC3E}">
+        <p14:creationId xmlns:p14="http://schemas.microsoft.com/office/powerpoint/2010/main" val="3235447279"/>
+      </p:ext>
+    </p:extLst>
+  </p:cSld>
+  <p:clrMapOvr>
+    <a:masterClrMapping/>
+  </p:clrMapOvr>
+</p:sld>
+</file>
+
+<file path=ppt/slides/slide7.xml><?xml version="1.0" encoding="utf-8"?>
+<p:sld xmlns:a="http://schemas.openxmlformats.org/drawingml/2006/main" xmlns:r="http://schemas.openxmlformats.org/officeDocument/2006/relationships" xmlns:p="http://schemas.openxmlformats.org/presentationml/2006/main">
+  <p:cSld>
+    <p:spTree>
+      <p:nvGrpSpPr>
+        <p:cNvPr id="1" name=""/>
+        <p:cNvGrpSpPr/>
+        <p:nvPr/>
+      </p:nvGrpSpPr>
+      <p:grpSpPr>
+        <a:xfrm>
+          <a:off x="0" y="0"/>
+          <a:ext cx="0" cy="0"/>
+          <a:chOff x="0" y="0"/>
+          <a:chExt cx="0" cy="0"/>
+        </a:xfrm>
+      </p:grpSpPr>
+      <p:sp>
+        <p:nvSpPr>
+          <p:cNvPr id="2" name="Заголовок 1"/>
+          <p:cNvSpPr>
+            <a:spLocks noGrp="1"/>
+          </p:cNvSpPr>
+          <p:nvPr>
+            <p:ph type="title"/>
+          </p:nvPr>
+        </p:nvSpPr>
+        <p:spPr/>
+        <p:txBody>
+          <a:bodyPr/>
+          <a:lstStyle/>
+          <a:p>
+            <a:pPr algn="ctr"/>
+            <a:r>
+              <a:rPr lang="ru-RU" dirty="0" smtClean="0"/>
+              <a:t>Что можно добавить в концепцию.	</a:t>
+            </a:r>
+            <a:endParaRPr lang="ru-RU" dirty="0"/>
+          </a:p>
+        </p:txBody>
+      </p:sp>
+      <p:sp>
+        <p:nvSpPr>
+          <p:cNvPr id="3" name="Объект 2"/>
+          <p:cNvSpPr>
+            <a:spLocks noGrp="1"/>
+          </p:cNvSpPr>
+          <p:nvPr>
+            <p:ph idx="1"/>
+          </p:nvPr>
+        </p:nvSpPr>
+        <p:spPr/>
+        <p:txBody>
+          <a:bodyPr/>
+          <a:lstStyle/>
+          <a:p>
+            <a:pPr marL="0" indent="0">
+              <a:buNone/>
+            </a:pPr>
+            <a:r>
+              <a:rPr lang="ru-RU" dirty="0" smtClean="0"/>
+              <a:t>В задачах России упоминается о твердом противостоянии по пересмотру итогов Второй мировой войны, однако конкретных упоминаний относительно ситуации вокруг Курильских островов и притязаний Японии нет.</a:t>
+            </a:r>
             <a:endParaRPr lang="ru-RU" dirty="0"/>
           </a:p>
         </p:txBody>
